--- a/09_DatabaseAPI/09_DatabaseAPI.pptx
+++ b/09_DatabaseAPI/09_DatabaseAPI.pptx
@@ -229,7 +229,7 @@
             <a:fld id="{6837EDA8-41C8-4B24-A206-13C08A65A6D7}" type="datetimeFigureOut">
               <a:rPr lang="zh-TW" altLang="en-US" smtClean="0"/>
               <a:pPr/>
-              <a:t>2019/5/26</a:t>
+              <a:t>2019/5/27</a:t>
             </a:fld>
             <a:endParaRPr lang="zh-TW" altLang="en-US"/>
           </a:p>
@@ -682,7 +682,7 @@
             <a:fld id="{8B85509C-BD4F-47BF-9B1E-FC2E949B3621}" type="datetime1">
               <a:rPr lang="zh-TW" altLang="en-US" smtClean="0"/>
               <a:pPr/>
-              <a:t>2019/5/26</a:t>
+              <a:t>2019/5/27</a:t>
             </a:fld>
             <a:endParaRPr lang="zh-TW" altLang="en-US"/>
           </a:p>
@@ -855,7 +855,7 @@
             <a:fld id="{42251B24-F787-4C15-8A0F-7AEC20C70069}" type="datetime1">
               <a:rPr lang="zh-TW" altLang="en-US" smtClean="0"/>
               <a:pPr/>
-              <a:t>2019/5/26</a:t>
+              <a:t>2019/5/27</a:t>
             </a:fld>
             <a:endParaRPr lang="zh-TW" altLang="en-US"/>
           </a:p>
@@ -1030,7 +1030,7 @@
             <a:fld id="{9CA0D33C-CE2B-45F1-B8D4-FFD1F131F331}" type="datetime1">
               <a:rPr lang="zh-TW" altLang="en-US" smtClean="0"/>
               <a:pPr/>
-              <a:t>2019/5/26</a:t>
+              <a:t>2019/5/27</a:t>
             </a:fld>
             <a:endParaRPr lang="zh-TW" altLang="en-US"/>
           </a:p>
@@ -1195,7 +1195,7 @@
             <a:fld id="{50B99440-D9EF-40CC-9B52-F6428D9B2C76}" type="datetime1">
               <a:rPr lang="zh-TW" altLang="en-US" smtClean="0"/>
               <a:pPr/>
-              <a:t>2019/5/26</a:t>
+              <a:t>2019/5/27</a:t>
             </a:fld>
             <a:endParaRPr lang="zh-TW" altLang="en-US"/>
           </a:p>
@@ -1437,7 +1437,7 @@
             <a:fld id="{0871BF52-5C6C-4959-8E27-CECB68D39FE4}" type="datetime1">
               <a:rPr lang="zh-TW" altLang="en-US" smtClean="0"/>
               <a:pPr/>
-              <a:t>2019/5/26</a:t>
+              <a:t>2019/5/27</a:t>
             </a:fld>
             <a:endParaRPr lang="zh-TW" altLang="en-US"/>
           </a:p>
@@ -1719,7 +1719,7 @@
             <a:fld id="{DF863F05-2DD9-4EB1-A827-12FD992DE9DC}" type="datetime1">
               <a:rPr lang="zh-TW" altLang="en-US" smtClean="0"/>
               <a:pPr/>
-              <a:t>2019/5/26</a:t>
+              <a:t>2019/5/27</a:t>
             </a:fld>
             <a:endParaRPr lang="zh-TW" altLang="en-US"/>
           </a:p>
@@ -2135,7 +2135,7 @@
             <a:fld id="{6339AF51-4491-4873-A096-75DB6CE47516}" type="datetime1">
               <a:rPr lang="zh-TW" altLang="en-US" smtClean="0"/>
               <a:pPr/>
-              <a:t>2019/5/26</a:t>
+              <a:t>2019/5/27</a:t>
             </a:fld>
             <a:endParaRPr lang="zh-TW" altLang="en-US"/>
           </a:p>
@@ -2249,7 +2249,7 @@
             <a:fld id="{EE4AD9C8-8B9E-40FF-ABE2-858AC2057BBB}" type="datetime1">
               <a:rPr lang="zh-TW" altLang="en-US" smtClean="0"/>
               <a:pPr/>
-              <a:t>2019/5/26</a:t>
+              <a:t>2019/5/27</a:t>
             </a:fld>
             <a:endParaRPr lang="zh-TW" altLang="en-US"/>
           </a:p>
@@ -2341,7 +2341,7 @@
             <a:fld id="{B4784999-BBBE-4BE4-A8D0-877E7D1D66CC}" type="datetime1">
               <a:rPr lang="zh-TW" altLang="en-US" smtClean="0"/>
               <a:pPr/>
-              <a:t>2019/5/26</a:t>
+              <a:t>2019/5/27</a:t>
             </a:fld>
             <a:endParaRPr lang="zh-TW" altLang="en-US"/>
           </a:p>
@@ -2613,7 +2613,7 @@
             <a:fld id="{E88D17E6-02BD-4944-B9FE-7BFCCBF83D48}" type="datetime1">
               <a:rPr lang="zh-TW" altLang="en-US" smtClean="0"/>
               <a:pPr/>
-              <a:t>2019/5/26</a:t>
+              <a:t>2019/5/27</a:t>
             </a:fld>
             <a:endParaRPr lang="zh-TW" altLang="en-US"/>
           </a:p>
@@ -2862,7 +2862,7 @@
             <a:fld id="{3C13E23D-1FEF-4D78-A3A3-3D6F2BB31954}" type="datetime1">
               <a:rPr lang="zh-TW" altLang="en-US" smtClean="0"/>
               <a:pPr/>
-              <a:t>2019/5/26</a:t>
+              <a:t>2019/5/27</a:t>
             </a:fld>
             <a:endParaRPr lang="zh-TW" altLang="en-US"/>
           </a:p>
@@ -3070,7 +3070,7 @@
             <a:fld id="{06197F35-AD6F-4594-8B50-334492D2E7E8}" type="datetime1">
               <a:rPr lang="zh-TW" altLang="en-US" smtClean="0"/>
               <a:pPr/>
-              <a:t>2019/5/26</a:t>
+              <a:t>2019/5/27</a:t>
             </a:fld>
             <a:endParaRPr lang="zh-TW" altLang="en-US"/>
           </a:p>
@@ -3531,7 +3531,7 @@
             <a:fld id="{C389EDC9-19E3-47AC-9C57-C6A24DEA81AD}" type="datetime1">
               <a:rPr lang="zh-TW" altLang="en-US" smtClean="0"/>
               <a:pPr/>
-              <a:t>2019/5/26</a:t>
+              <a:t>2019/5/27</a:t>
             </a:fld>
             <a:endParaRPr lang="zh-TW" altLang="en-US"/>
           </a:p>
@@ -4059,7 +4059,7 @@
             <a:fld id="{A4F910E6-8D00-4BAF-8C48-9688E0B449D3}" type="datetime1">
               <a:rPr lang="zh-TW" altLang="en-US" smtClean="0"/>
               <a:pPr/>
-              <a:t>2019/5/26</a:t>
+              <a:t>2019/5/27</a:t>
             </a:fld>
             <a:endParaRPr lang="zh-TW" altLang="en-US"/>
           </a:p>
@@ -4197,36 +4197,6 @@
       </p:sp>
       <p:sp>
         <p:nvSpPr>
-          <p:cNvPr id="3" name="副標題 2"/>
-          <p:cNvSpPr>
-            <a:spLocks noGrp="1"/>
-          </p:cNvSpPr>
-          <p:nvPr>
-            <p:ph type="subTitle" idx="1"/>
-          </p:nvPr>
-        </p:nvSpPr>
-        <p:spPr>
-          <a:xfrm>
-            <a:off x="1259632" y="4581128"/>
-            <a:ext cx="6400800" cy="694928"/>
-          </a:xfrm>
-        </p:spPr>
-        <p:txBody>
-          <a:bodyPr>
-            <a:normAutofit/>
-          </a:bodyPr>
-          <a:lstStyle/>
-          <a:p>
-            <a:r>
-              <a:rPr lang="en-US" altLang="zh-TW" dirty="0"/>
-              <a:t>Peter H. Chen</a:t>
-            </a:r>
-            <a:endParaRPr lang="zh-TW" altLang="en-US" dirty="0"/>
-          </a:p>
-        </p:txBody>
-      </p:sp>
-      <p:sp>
-        <p:nvSpPr>
           <p:cNvPr id="5" name="日期版面配置區 4"/>
           <p:cNvSpPr>
             <a:spLocks noGrp="1"/>
@@ -4243,7 +4213,7 @@
             <a:fld id="{C389EDC9-19E3-47AC-9C57-C6A24DEA81AD}" type="datetime1">
               <a:rPr lang="zh-TW" altLang="en-US" smtClean="0"/>
               <a:pPr/>
-              <a:t>2019/5/26</a:t>
+              <a:t>2019/5/27</a:t>
             </a:fld>
             <a:endParaRPr lang="zh-TW" altLang="en-US"/>
           </a:p>
@@ -4654,7 +4624,7 @@
             <a:fld id="{A4F910E6-8D00-4BAF-8C48-9688E0B449D3}" type="datetime1">
               <a:rPr lang="zh-TW" altLang="en-US" smtClean="0"/>
               <a:pPr/>
-              <a:t>2019/5/26</a:t>
+              <a:t>2019/5/27</a:t>
             </a:fld>
             <a:endParaRPr lang="zh-TW" altLang="en-US"/>
           </a:p>
@@ -5042,7 +5012,7 @@
             <a:fld id="{A4F910E6-8D00-4BAF-8C48-9688E0B449D3}" type="datetime1">
               <a:rPr lang="zh-TW" altLang="en-US" smtClean="0"/>
               <a:pPr/>
-              <a:t>2019/5/26</a:t>
+              <a:t>2019/5/27</a:t>
             </a:fld>
             <a:endParaRPr lang="zh-TW" altLang="en-US"/>
           </a:p>
@@ -5185,36 +5155,6 @@
       </p:sp>
       <p:sp>
         <p:nvSpPr>
-          <p:cNvPr id="3" name="副標題 2"/>
-          <p:cNvSpPr>
-            <a:spLocks noGrp="1"/>
-          </p:cNvSpPr>
-          <p:nvPr>
-            <p:ph type="subTitle" idx="1"/>
-          </p:nvPr>
-        </p:nvSpPr>
-        <p:spPr>
-          <a:xfrm>
-            <a:off x="1259632" y="4581128"/>
-            <a:ext cx="6400800" cy="694928"/>
-          </a:xfrm>
-        </p:spPr>
-        <p:txBody>
-          <a:bodyPr>
-            <a:normAutofit/>
-          </a:bodyPr>
-          <a:lstStyle/>
-          <a:p>
-            <a:r>
-              <a:rPr lang="en-US" altLang="zh-TW" dirty="0"/>
-              <a:t>Peter H. Chen</a:t>
-            </a:r>
-            <a:endParaRPr lang="zh-TW" altLang="en-US" dirty="0"/>
-          </a:p>
-        </p:txBody>
-      </p:sp>
-      <p:sp>
-        <p:nvSpPr>
           <p:cNvPr id="5" name="日期版面配置區 4"/>
           <p:cNvSpPr>
             <a:spLocks noGrp="1"/>
@@ -5231,7 +5171,7 @@
             <a:fld id="{C389EDC9-19E3-47AC-9C57-C6A24DEA81AD}" type="datetime1">
               <a:rPr lang="zh-TW" altLang="en-US" smtClean="0"/>
               <a:pPr/>
-              <a:t>2019/5/26</a:t>
+              <a:t>2019/5/27</a:t>
             </a:fld>
             <a:endParaRPr lang="zh-TW" altLang="en-US"/>
           </a:p>
@@ -5615,7 +5555,7 @@
             <a:fld id="{A4F910E6-8D00-4BAF-8C48-9688E0B449D3}" type="datetime1">
               <a:rPr lang="zh-TW" altLang="en-US" smtClean="0"/>
               <a:pPr/>
-              <a:t>2019/5/26</a:t>
+              <a:t>2019/5/27</a:t>
             </a:fld>
             <a:endParaRPr lang="zh-TW" altLang="en-US"/>
           </a:p>
@@ -5925,7 +5865,7 @@
             <a:fld id="{A4F910E6-8D00-4BAF-8C48-9688E0B449D3}" type="datetime1">
               <a:rPr lang="zh-TW" altLang="en-US" smtClean="0"/>
               <a:pPr/>
-              <a:t>2019/5/26</a:t>
+              <a:t>2019/5/27</a:t>
             </a:fld>
             <a:endParaRPr lang="zh-TW" altLang="en-US"/>
           </a:p>
@@ -6386,7 +6326,7 @@
             <a:fld id="{A4F910E6-8D00-4BAF-8C48-9688E0B449D3}" type="datetime1">
               <a:rPr lang="zh-TW" altLang="en-US" smtClean="0"/>
               <a:pPr/>
-              <a:t>2019/5/26</a:t>
+              <a:t>2019/5/27</a:t>
             </a:fld>
             <a:endParaRPr lang="zh-TW" altLang="en-US"/>
           </a:p>
@@ -6843,7 +6783,7 @@
             <a:fld id="{A4F910E6-8D00-4BAF-8C48-9688E0B449D3}" type="datetime1">
               <a:rPr lang="zh-TW" altLang="en-US" smtClean="0"/>
               <a:pPr/>
-              <a:t>2019/5/26</a:t>
+              <a:t>2019/5/27</a:t>
             </a:fld>
             <a:endParaRPr lang="zh-TW" altLang="en-US"/>
           </a:p>
@@ -6986,36 +6926,6 @@
       </p:sp>
       <p:sp>
         <p:nvSpPr>
-          <p:cNvPr id="3" name="副標題 2"/>
-          <p:cNvSpPr>
-            <a:spLocks noGrp="1"/>
-          </p:cNvSpPr>
-          <p:nvPr>
-            <p:ph type="subTitle" idx="1"/>
-          </p:nvPr>
-        </p:nvSpPr>
-        <p:spPr>
-          <a:xfrm>
-            <a:off x="1259632" y="4581128"/>
-            <a:ext cx="6400800" cy="694928"/>
-          </a:xfrm>
-        </p:spPr>
-        <p:txBody>
-          <a:bodyPr>
-            <a:normAutofit/>
-          </a:bodyPr>
-          <a:lstStyle/>
-          <a:p>
-            <a:r>
-              <a:rPr lang="en-US" altLang="zh-TW" dirty="0"/>
-              <a:t>Peter H. Chen</a:t>
-            </a:r>
-            <a:endParaRPr lang="zh-TW" altLang="en-US" dirty="0"/>
-          </a:p>
-        </p:txBody>
-      </p:sp>
-      <p:sp>
-        <p:nvSpPr>
           <p:cNvPr id="5" name="日期版面配置區 4"/>
           <p:cNvSpPr>
             <a:spLocks noGrp="1"/>
@@ -7032,7 +6942,7 @@
             <a:fld id="{C389EDC9-19E3-47AC-9C57-C6A24DEA81AD}" type="datetime1">
               <a:rPr lang="zh-TW" altLang="en-US" smtClean="0"/>
               <a:pPr/>
-              <a:t>2019/5/26</a:t>
+              <a:t>2019/5/27</a:t>
             </a:fld>
             <a:endParaRPr lang="zh-TW" altLang="en-US"/>
           </a:p>
@@ -7165,36 +7075,6 @@
       </p:sp>
       <p:sp>
         <p:nvSpPr>
-          <p:cNvPr id="3" name="副標題 2"/>
-          <p:cNvSpPr>
-            <a:spLocks noGrp="1"/>
-          </p:cNvSpPr>
-          <p:nvPr>
-            <p:ph type="subTitle" idx="1"/>
-          </p:nvPr>
-        </p:nvSpPr>
-        <p:spPr>
-          <a:xfrm>
-            <a:off x="1259632" y="4581128"/>
-            <a:ext cx="6400800" cy="694928"/>
-          </a:xfrm>
-        </p:spPr>
-        <p:txBody>
-          <a:bodyPr>
-            <a:normAutofit/>
-          </a:bodyPr>
-          <a:lstStyle/>
-          <a:p>
-            <a:r>
-              <a:rPr lang="en-US" altLang="zh-TW" dirty="0"/>
-              <a:t>Peter H. Chen</a:t>
-            </a:r>
-            <a:endParaRPr lang="zh-TW" altLang="en-US" dirty="0"/>
-          </a:p>
-        </p:txBody>
-      </p:sp>
-      <p:sp>
-        <p:nvSpPr>
           <p:cNvPr id="5" name="日期版面配置區 4"/>
           <p:cNvSpPr>
             <a:spLocks noGrp="1"/>
@@ -7211,7 +7091,7 @@
             <a:fld id="{C389EDC9-19E3-47AC-9C57-C6A24DEA81AD}" type="datetime1">
               <a:rPr lang="zh-TW" altLang="en-US" smtClean="0"/>
               <a:pPr/>
-              <a:t>2019/5/26</a:t>
+              <a:t>2019/5/27</a:t>
             </a:fld>
             <a:endParaRPr lang="zh-TW" altLang="en-US"/>
           </a:p>
@@ -7833,7 +7713,7 @@
             <a:fld id="{A4F910E6-8D00-4BAF-8C48-9688E0B449D3}" type="datetime1">
               <a:rPr lang="zh-TW" altLang="en-US" smtClean="0"/>
               <a:pPr/>
-              <a:t>2019/5/26</a:t>
+              <a:t>2019/5/27</a:t>
             </a:fld>
             <a:endParaRPr lang="zh-TW" altLang="en-US"/>
           </a:p>
@@ -8015,7 +7895,7 @@
             <a:fld id="{4E46BE27-E923-4EC2-B046-3272AE2A3E5C}" type="datetime1">
               <a:rPr lang="zh-TW" altLang="en-US" smtClean="0"/>
               <a:pPr/>
-              <a:t>2019/5/26</a:t>
+              <a:t>2019/5/27</a:t>
             </a:fld>
             <a:endParaRPr lang="zh-TW" altLang="en-US"/>
           </a:p>
@@ -8316,7 +8196,7 @@
             <a:fld id="{A4F910E6-8D00-4BAF-8C48-9688E0B449D3}" type="datetime1">
               <a:rPr lang="zh-TW" altLang="en-US" smtClean="0"/>
               <a:pPr/>
-              <a:t>2019/5/26</a:t>
+              <a:t>2019/5/27</a:t>
             </a:fld>
             <a:endParaRPr lang="zh-TW" altLang="en-US"/>
           </a:p>
@@ -9161,7 +9041,7 @@
             <a:fld id="{A4F910E6-8D00-4BAF-8C48-9688E0B449D3}" type="datetime1">
               <a:rPr lang="zh-TW" altLang="en-US" smtClean="0"/>
               <a:pPr/>
-              <a:t>2019/5/26</a:t>
+              <a:t>2019/5/27</a:t>
             </a:fld>
             <a:endParaRPr lang="zh-TW" altLang="en-US"/>
           </a:p>
@@ -9304,36 +9184,6 @@
       </p:sp>
       <p:sp>
         <p:nvSpPr>
-          <p:cNvPr id="3" name="副標題 2"/>
-          <p:cNvSpPr>
-            <a:spLocks noGrp="1"/>
-          </p:cNvSpPr>
-          <p:nvPr>
-            <p:ph type="subTitle" idx="1"/>
-          </p:nvPr>
-        </p:nvSpPr>
-        <p:spPr>
-          <a:xfrm>
-            <a:off x="1259632" y="4581128"/>
-            <a:ext cx="6400800" cy="694928"/>
-          </a:xfrm>
-        </p:spPr>
-        <p:txBody>
-          <a:bodyPr>
-            <a:normAutofit/>
-          </a:bodyPr>
-          <a:lstStyle/>
-          <a:p>
-            <a:r>
-              <a:rPr lang="en-US" altLang="zh-TW" dirty="0"/>
-              <a:t>Peter H. Chen</a:t>
-            </a:r>
-            <a:endParaRPr lang="zh-TW" altLang="en-US" dirty="0"/>
-          </a:p>
-        </p:txBody>
-      </p:sp>
-      <p:sp>
-        <p:nvSpPr>
           <p:cNvPr id="5" name="日期版面配置區 4"/>
           <p:cNvSpPr>
             <a:spLocks noGrp="1"/>
@@ -9350,7 +9200,7 @@
             <a:fld id="{C389EDC9-19E3-47AC-9C57-C6A24DEA81AD}" type="datetime1">
               <a:rPr lang="zh-TW" altLang="en-US" smtClean="0"/>
               <a:pPr/>
-              <a:t>2019/5/26</a:t>
+              <a:t>2019/5/27</a:t>
             </a:fld>
             <a:endParaRPr lang="zh-TW" altLang="en-US"/>
           </a:p>
@@ -9912,7 +9762,7 @@
             <a:fld id="{A4F910E6-8D00-4BAF-8C48-9688E0B449D3}" type="datetime1">
               <a:rPr lang="zh-TW" altLang="en-US" smtClean="0"/>
               <a:pPr/>
-              <a:t>2019/5/26</a:t>
+              <a:t>2019/5/27</a:t>
             </a:fld>
             <a:endParaRPr lang="zh-TW" altLang="en-US"/>
           </a:p>
@@ -10055,36 +9905,6 @@
       </p:sp>
       <p:sp>
         <p:nvSpPr>
-          <p:cNvPr id="3" name="副標題 2"/>
-          <p:cNvSpPr>
-            <a:spLocks noGrp="1"/>
-          </p:cNvSpPr>
-          <p:nvPr>
-            <p:ph type="subTitle" idx="1"/>
-          </p:nvPr>
-        </p:nvSpPr>
-        <p:spPr>
-          <a:xfrm>
-            <a:off x="1259632" y="4581128"/>
-            <a:ext cx="6400800" cy="694928"/>
-          </a:xfrm>
-        </p:spPr>
-        <p:txBody>
-          <a:bodyPr>
-            <a:normAutofit/>
-          </a:bodyPr>
-          <a:lstStyle/>
-          <a:p>
-            <a:r>
-              <a:rPr lang="en-US" altLang="zh-TW" dirty="0"/>
-              <a:t>Peter H. Chen</a:t>
-            </a:r>
-            <a:endParaRPr lang="zh-TW" altLang="en-US" dirty="0"/>
-          </a:p>
-        </p:txBody>
-      </p:sp>
-      <p:sp>
-        <p:nvSpPr>
           <p:cNvPr id="5" name="日期版面配置區 4"/>
           <p:cNvSpPr>
             <a:spLocks noGrp="1"/>
@@ -10101,7 +9921,7 @@
             <a:fld id="{C389EDC9-19E3-47AC-9C57-C6A24DEA81AD}" type="datetime1">
               <a:rPr lang="zh-TW" altLang="en-US" smtClean="0"/>
               <a:pPr/>
-              <a:t>2019/5/26</a:t>
+              <a:t>2019/5/27</a:t>
             </a:fld>
             <a:endParaRPr lang="zh-TW" altLang="en-US"/>
           </a:p>
@@ -10527,7 +10347,7 @@
             <a:fld id="{A4F910E6-8D00-4BAF-8C48-9688E0B449D3}" type="datetime1">
               <a:rPr lang="zh-TW" altLang="en-US" smtClean="0"/>
               <a:pPr/>
-              <a:t>2019/5/26</a:t>
+              <a:t>2019/5/27</a:t>
             </a:fld>
             <a:endParaRPr lang="zh-TW" altLang="en-US"/>
           </a:p>
@@ -10887,7 +10707,7 @@
             <a:fld id="{A4F910E6-8D00-4BAF-8C48-9688E0B449D3}" type="datetime1">
               <a:rPr lang="zh-TW" altLang="en-US" smtClean="0"/>
               <a:pPr/>
-              <a:t>2019/5/26</a:t>
+              <a:t>2019/5/27</a:t>
             </a:fld>
             <a:endParaRPr lang="zh-TW" altLang="en-US"/>
           </a:p>

--- a/09_DatabaseAPI/09_DatabaseAPI.pptx
+++ b/09_DatabaseAPI/09_DatabaseAPI.pptx
@@ -229,7 +229,7 @@
             <a:fld id="{6837EDA8-41C8-4B24-A206-13C08A65A6D7}" type="datetimeFigureOut">
               <a:rPr lang="zh-TW" altLang="en-US" smtClean="0"/>
               <a:pPr/>
-              <a:t>2019/5/27</a:t>
+              <a:t>2019/5/28</a:t>
             </a:fld>
             <a:endParaRPr lang="zh-TW" altLang="en-US"/>
           </a:p>
@@ -682,7 +682,7 @@
             <a:fld id="{8B85509C-BD4F-47BF-9B1E-FC2E949B3621}" type="datetime1">
               <a:rPr lang="zh-TW" altLang="en-US" smtClean="0"/>
               <a:pPr/>
-              <a:t>2019/5/27</a:t>
+              <a:t>2019/5/28</a:t>
             </a:fld>
             <a:endParaRPr lang="zh-TW" altLang="en-US"/>
           </a:p>
@@ -855,7 +855,7 @@
             <a:fld id="{42251B24-F787-4C15-8A0F-7AEC20C70069}" type="datetime1">
               <a:rPr lang="zh-TW" altLang="en-US" smtClean="0"/>
               <a:pPr/>
-              <a:t>2019/5/27</a:t>
+              <a:t>2019/5/28</a:t>
             </a:fld>
             <a:endParaRPr lang="zh-TW" altLang="en-US"/>
           </a:p>
@@ -1030,7 +1030,7 @@
             <a:fld id="{9CA0D33C-CE2B-45F1-B8D4-FFD1F131F331}" type="datetime1">
               <a:rPr lang="zh-TW" altLang="en-US" smtClean="0"/>
               <a:pPr/>
-              <a:t>2019/5/27</a:t>
+              <a:t>2019/5/28</a:t>
             </a:fld>
             <a:endParaRPr lang="zh-TW" altLang="en-US"/>
           </a:p>
@@ -1195,7 +1195,7 @@
             <a:fld id="{50B99440-D9EF-40CC-9B52-F6428D9B2C76}" type="datetime1">
               <a:rPr lang="zh-TW" altLang="en-US" smtClean="0"/>
               <a:pPr/>
-              <a:t>2019/5/27</a:t>
+              <a:t>2019/5/28</a:t>
             </a:fld>
             <a:endParaRPr lang="zh-TW" altLang="en-US"/>
           </a:p>
@@ -1437,7 +1437,7 @@
             <a:fld id="{0871BF52-5C6C-4959-8E27-CECB68D39FE4}" type="datetime1">
               <a:rPr lang="zh-TW" altLang="en-US" smtClean="0"/>
               <a:pPr/>
-              <a:t>2019/5/27</a:t>
+              <a:t>2019/5/28</a:t>
             </a:fld>
             <a:endParaRPr lang="zh-TW" altLang="en-US"/>
           </a:p>
@@ -1719,7 +1719,7 @@
             <a:fld id="{DF863F05-2DD9-4EB1-A827-12FD992DE9DC}" type="datetime1">
               <a:rPr lang="zh-TW" altLang="en-US" smtClean="0"/>
               <a:pPr/>
-              <a:t>2019/5/27</a:t>
+              <a:t>2019/5/28</a:t>
             </a:fld>
             <a:endParaRPr lang="zh-TW" altLang="en-US"/>
           </a:p>
@@ -2135,7 +2135,7 @@
             <a:fld id="{6339AF51-4491-4873-A096-75DB6CE47516}" type="datetime1">
               <a:rPr lang="zh-TW" altLang="en-US" smtClean="0"/>
               <a:pPr/>
-              <a:t>2019/5/27</a:t>
+              <a:t>2019/5/28</a:t>
             </a:fld>
             <a:endParaRPr lang="zh-TW" altLang="en-US"/>
           </a:p>
@@ -2249,7 +2249,7 @@
             <a:fld id="{EE4AD9C8-8B9E-40FF-ABE2-858AC2057BBB}" type="datetime1">
               <a:rPr lang="zh-TW" altLang="en-US" smtClean="0"/>
               <a:pPr/>
-              <a:t>2019/5/27</a:t>
+              <a:t>2019/5/28</a:t>
             </a:fld>
             <a:endParaRPr lang="zh-TW" altLang="en-US"/>
           </a:p>
@@ -2341,7 +2341,7 @@
             <a:fld id="{B4784999-BBBE-4BE4-A8D0-877E7D1D66CC}" type="datetime1">
               <a:rPr lang="zh-TW" altLang="en-US" smtClean="0"/>
               <a:pPr/>
-              <a:t>2019/5/27</a:t>
+              <a:t>2019/5/28</a:t>
             </a:fld>
             <a:endParaRPr lang="zh-TW" altLang="en-US"/>
           </a:p>
@@ -2613,7 +2613,7 @@
             <a:fld id="{E88D17E6-02BD-4944-B9FE-7BFCCBF83D48}" type="datetime1">
               <a:rPr lang="zh-TW" altLang="en-US" smtClean="0"/>
               <a:pPr/>
-              <a:t>2019/5/27</a:t>
+              <a:t>2019/5/28</a:t>
             </a:fld>
             <a:endParaRPr lang="zh-TW" altLang="en-US"/>
           </a:p>
@@ -2862,7 +2862,7 @@
             <a:fld id="{3C13E23D-1FEF-4D78-A3A3-3D6F2BB31954}" type="datetime1">
               <a:rPr lang="zh-TW" altLang="en-US" smtClean="0"/>
               <a:pPr/>
-              <a:t>2019/5/27</a:t>
+              <a:t>2019/5/28</a:t>
             </a:fld>
             <a:endParaRPr lang="zh-TW" altLang="en-US"/>
           </a:p>
@@ -3070,7 +3070,7 @@
             <a:fld id="{06197F35-AD6F-4594-8B50-334492D2E7E8}" type="datetime1">
               <a:rPr lang="zh-TW" altLang="en-US" smtClean="0"/>
               <a:pPr/>
-              <a:t>2019/5/27</a:t>
+              <a:t>2019/5/28</a:t>
             </a:fld>
             <a:endParaRPr lang="zh-TW" altLang="en-US"/>
           </a:p>
@@ -3531,7 +3531,7 @@
             <a:fld id="{C389EDC9-19E3-47AC-9C57-C6A24DEA81AD}" type="datetime1">
               <a:rPr lang="zh-TW" altLang="en-US" smtClean="0"/>
               <a:pPr/>
-              <a:t>2019/5/27</a:t>
+              <a:t>2019/5/28</a:t>
             </a:fld>
             <a:endParaRPr lang="zh-TW" altLang="en-US"/>
           </a:p>
@@ -4059,7 +4059,7 @@
             <a:fld id="{A4F910E6-8D00-4BAF-8C48-9688E0B449D3}" type="datetime1">
               <a:rPr lang="zh-TW" altLang="en-US" smtClean="0"/>
               <a:pPr/>
-              <a:t>2019/5/27</a:t>
+              <a:t>2019/5/28</a:t>
             </a:fld>
             <a:endParaRPr lang="zh-TW" altLang="en-US"/>
           </a:p>
@@ -4213,7 +4213,7 @@
             <a:fld id="{C389EDC9-19E3-47AC-9C57-C6A24DEA81AD}" type="datetime1">
               <a:rPr lang="zh-TW" altLang="en-US" smtClean="0"/>
               <a:pPr/>
-              <a:t>2019/5/27</a:t>
+              <a:t>2019/5/28</a:t>
             </a:fld>
             <a:endParaRPr lang="zh-TW" altLang="en-US"/>
           </a:p>
@@ -4624,7 +4624,7 @@
             <a:fld id="{A4F910E6-8D00-4BAF-8C48-9688E0B449D3}" type="datetime1">
               <a:rPr lang="zh-TW" altLang="en-US" smtClean="0"/>
               <a:pPr/>
-              <a:t>2019/5/27</a:t>
+              <a:t>2019/5/28</a:t>
             </a:fld>
             <a:endParaRPr lang="zh-TW" altLang="en-US"/>
           </a:p>
@@ -5012,7 +5012,7 @@
             <a:fld id="{A4F910E6-8D00-4BAF-8C48-9688E0B449D3}" type="datetime1">
               <a:rPr lang="zh-TW" altLang="en-US" smtClean="0"/>
               <a:pPr/>
-              <a:t>2019/5/27</a:t>
+              <a:t>2019/5/28</a:t>
             </a:fld>
             <a:endParaRPr lang="zh-TW" altLang="en-US"/>
           </a:p>
@@ -5171,7 +5171,7 @@
             <a:fld id="{C389EDC9-19E3-47AC-9C57-C6A24DEA81AD}" type="datetime1">
               <a:rPr lang="zh-TW" altLang="en-US" smtClean="0"/>
               <a:pPr/>
-              <a:t>2019/5/27</a:t>
+              <a:t>2019/5/28</a:t>
             </a:fld>
             <a:endParaRPr lang="zh-TW" altLang="en-US"/>
           </a:p>
@@ -5555,7 +5555,7 @@
             <a:fld id="{A4F910E6-8D00-4BAF-8C48-9688E0B449D3}" type="datetime1">
               <a:rPr lang="zh-TW" altLang="en-US" smtClean="0"/>
               <a:pPr/>
-              <a:t>2019/5/27</a:t>
+              <a:t>2019/5/28</a:t>
             </a:fld>
             <a:endParaRPr lang="zh-TW" altLang="en-US"/>
           </a:p>
@@ -5865,7 +5865,7 @@
             <a:fld id="{A4F910E6-8D00-4BAF-8C48-9688E0B449D3}" type="datetime1">
               <a:rPr lang="zh-TW" altLang="en-US" smtClean="0"/>
               <a:pPr/>
-              <a:t>2019/5/27</a:t>
+              <a:t>2019/5/28</a:t>
             </a:fld>
             <a:endParaRPr lang="zh-TW" altLang="en-US"/>
           </a:p>
@@ -6326,7 +6326,7 @@
             <a:fld id="{A4F910E6-8D00-4BAF-8C48-9688E0B449D3}" type="datetime1">
               <a:rPr lang="zh-TW" altLang="en-US" smtClean="0"/>
               <a:pPr/>
-              <a:t>2019/5/27</a:t>
+              <a:t>2019/5/28</a:t>
             </a:fld>
             <a:endParaRPr lang="zh-TW" altLang="en-US"/>
           </a:p>
@@ -6783,7 +6783,7 @@
             <a:fld id="{A4F910E6-8D00-4BAF-8C48-9688E0B449D3}" type="datetime1">
               <a:rPr lang="zh-TW" altLang="en-US" smtClean="0"/>
               <a:pPr/>
-              <a:t>2019/5/27</a:t>
+              <a:t>2019/5/28</a:t>
             </a:fld>
             <a:endParaRPr lang="zh-TW" altLang="en-US"/>
           </a:p>
@@ -6942,7 +6942,7 @@
             <a:fld id="{C389EDC9-19E3-47AC-9C57-C6A24DEA81AD}" type="datetime1">
               <a:rPr lang="zh-TW" altLang="en-US" smtClean="0"/>
               <a:pPr/>
-              <a:t>2019/5/27</a:t>
+              <a:t>2019/5/28</a:t>
             </a:fld>
             <a:endParaRPr lang="zh-TW" altLang="en-US"/>
           </a:p>
@@ -7091,7 +7091,7 @@
             <a:fld id="{C389EDC9-19E3-47AC-9C57-C6A24DEA81AD}" type="datetime1">
               <a:rPr lang="zh-TW" altLang="en-US" smtClean="0"/>
               <a:pPr/>
-              <a:t>2019/5/27</a:t>
+              <a:t>2019/5/28</a:t>
             </a:fld>
             <a:endParaRPr lang="zh-TW" altLang="en-US"/>
           </a:p>
@@ -7713,7 +7713,7 @@
             <a:fld id="{A4F910E6-8D00-4BAF-8C48-9688E0B449D3}" type="datetime1">
               <a:rPr lang="zh-TW" altLang="en-US" smtClean="0"/>
               <a:pPr/>
-              <a:t>2019/5/27</a:t>
+              <a:t>2019/5/28</a:t>
             </a:fld>
             <a:endParaRPr lang="zh-TW" altLang="en-US"/>
           </a:p>
@@ -7895,7 +7895,7 @@
             <a:fld id="{4E46BE27-E923-4EC2-B046-3272AE2A3E5C}" type="datetime1">
               <a:rPr lang="zh-TW" altLang="en-US" smtClean="0"/>
               <a:pPr/>
-              <a:t>2019/5/27</a:t>
+              <a:t>2019/5/28</a:t>
             </a:fld>
             <a:endParaRPr lang="zh-TW" altLang="en-US"/>
           </a:p>
@@ -8049,12 +8049,20 @@
               <a:buChar char="u"/>
             </a:pPr>
             <a:r>
+              <a:rPr lang="en-US" sz="1800">
+                <a:solidFill>
+                  <a:schemeClr val="tx1"/>
+                </a:solidFill>
+              </a:rPr>
+              <a:t>This section discusses </a:t>
+            </a:r>
+            <a:r>
               <a:rPr lang="en-US" sz="1800" dirty="0">
                 <a:solidFill>
                   <a:schemeClr val="tx1"/>
                 </a:solidFill>
               </a:rPr>
-              <a:t>In the last section, we discuss Database API.</a:t>
+              <a:t>Database API.</a:t>
             </a:r>
           </a:p>
           <a:p>
@@ -8196,7 +8204,7 @@
             <a:fld id="{A4F910E6-8D00-4BAF-8C48-9688E0B449D3}" type="datetime1">
               <a:rPr lang="zh-TW" altLang="en-US" smtClean="0"/>
               <a:pPr/>
-              <a:t>2019/5/27</a:t>
+              <a:t>2019/5/28</a:t>
             </a:fld>
             <a:endParaRPr lang="zh-TW" altLang="en-US"/>
           </a:p>
@@ -9041,7 +9049,7 @@
             <a:fld id="{A4F910E6-8D00-4BAF-8C48-9688E0B449D3}" type="datetime1">
               <a:rPr lang="zh-TW" altLang="en-US" smtClean="0"/>
               <a:pPr/>
-              <a:t>2019/5/27</a:t>
+              <a:t>2019/5/28</a:t>
             </a:fld>
             <a:endParaRPr lang="zh-TW" altLang="en-US"/>
           </a:p>
@@ -9200,7 +9208,7 @@
             <a:fld id="{C389EDC9-19E3-47AC-9C57-C6A24DEA81AD}" type="datetime1">
               <a:rPr lang="zh-TW" altLang="en-US" smtClean="0"/>
               <a:pPr/>
-              <a:t>2019/5/27</a:t>
+              <a:t>2019/5/28</a:t>
             </a:fld>
             <a:endParaRPr lang="zh-TW" altLang="en-US"/>
           </a:p>
@@ -9762,7 +9770,7 @@
             <a:fld id="{A4F910E6-8D00-4BAF-8C48-9688E0B449D3}" type="datetime1">
               <a:rPr lang="zh-TW" altLang="en-US" smtClean="0"/>
               <a:pPr/>
-              <a:t>2019/5/27</a:t>
+              <a:t>2019/5/28</a:t>
             </a:fld>
             <a:endParaRPr lang="zh-TW" altLang="en-US"/>
           </a:p>
@@ -9921,7 +9929,7 @@
             <a:fld id="{C389EDC9-19E3-47AC-9C57-C6A24DEA81AD}" type="datetime1">
               <a:rPr lang="zh-TW" altLang="en-US" smtClean="0"/>
               <a:pPr/>
-              <a:t>2019/5/27</a:t>
+              <a:t>2019/5/28</a:t>
             </a:fld>
             <a:endParaRPr lang="zh-TW" altLang="en-US"/>
           </a:p>
@@ -10347,7 +10355,7 @@
             <a:fld id="{A4F910E6-8D00-4BAF-8C48-9688E0B449D3}" type="datetime1">
               <a:rPr lang="zh-TW" altLang="en-US" smtClean="0"/>
               <a:pPr/>
-              <a:t>2019/5/27</a:t>
+              <a:t>2019/5/28</a:t>
             </a:fld>
             <a:endParaRPr lang="zh-TW" altLang="en-US"/>
           </a:p>
@@ -10707,7 +10715,7 @@
             <a:fld id="{A4F910E6-8D00-4BAF-8C48-9688E0B449D3}" type="datetime1">
               <a:rPr lang="zh-TW" altLang="en-US" smtClean="0"/>
               <a:pPr/>
-              <a:t>2019/5/27</a:t>
+              <a:t>2019/5/28</a:t>
             </a:fld>
             <a:endParaRPr lang="zh-TW" altLang="en-US"/>
           </a:p>
